--- a/assets/templates/LCES.pptx
+++ b/assets/templates/LCES.pptx
@@ -263,7 +263,7 @@
           <a:p>
             <a:fld id="{B2B2BA3F-6E80-476E-9BD6-F2EB2F3AEE7F}" type="datetimeFigureOut">
               <a:rPr kumimoji="1" lang="ja-JP" altLang="en-US" smtClean="0"/>
-              <a:t>2025/10/8</a:t>
+              <a:t>2025/10/16</a:t>
             </a:fld>
             <a:endParaRPr kumimoji="1" lang="ja-JP" altLang="en-US"/>
           </a:p>
@@ -428,7 +428,7 @@
           <a:p>
             <a:fld id="{5B21B652-C20B-4E1A-8863-C69DF07DEF17}" type="datetimeFigureOut">
               <a:rPr kumimoji="1" lang="ja-JP" altLang="en-US" smtClean="0"/>
-              <a:t>2025/10/8</a:t>
+              <a:t>2025/10/16</a:t>
             </a:fld>
             <a:endParaRPr kumimoji="1" lang="ja-JP" altLang="en-US"/>
           </a:p>
@@ -8571,6 +8571,244 @@
           </a:p>
         </p:txBody>
       </p:sp>
+      <p:sp>
+        <p:nvSpPr>
+          <p:cNvPr id="2" name="テキスト プレースホルダー 1">
+            <a:extLst>
+              <a:ext uri="{FF2B5EF4-FFF2-40B4-BE49-F238E27FC236}">
+                <a16:creationId xmlns:a16="http://schemas.microsoft.com/office/drawing/2014/main" id="{5FA77C73-DE0D-4847-7765-A4498FCFB2FB}"/>
+              </a:ext>
+            </a:extLst>
+          </p:cNvPr>
+          <p:cNvSpPr txBox="1">
+            <a:spLocks/>
+          </p:cNvSpPr>
+          <p:nvPr/>
+        </p:nvSpPr>
+        <p:spPr>
+          <a:xfrm>
+            <a:off x="0" y="6240544"/>
+            <a:ext cx="2441542" cy="327442"/>
+          </a:xfrm>
+          <a:prstGeom prst="rect">
+            <a:avLst/>
+          </a:prstGeom>
+        </p:spPr>
+        <p:txBody>
+          <a:bodyPr vert="horz" wrap="none" lIns="0" tIns="0" rIns="0" bIns="0" rtlCol="0">
+            <a:noAutofit/>
+          </a:bodyPr>
+          <a:lstStyle>
+            <a:lvl1pPr marL="0" marR="0" indent="0" algn="ctr" defTabSz="914400" rtl="0" eaLnBrk="1" fontAlgn="auto" latinLnBrk="0" hangingPunct="1">
+              <a:lnSpc>
+                <a:spcPct val="100000"/>
+              </a:lnSpc>
+              <a:spcBef>
+                <a:spcPts val="1000"/>
+              </a:spcBef>
+              <a:spcAft>
+                <a:spcPts val="0"/>
+              </a:spcAft>
+              <a:buClrTx/>
+              <a:buSzTx/>
+              <a:buFont typeface="Arial" panose="020B0604020202020204" pitchFamily="34" charset="0"/>
+              <a:buNone/>
+              <a:tabLst/>
+              <a:defRPr kumimoji="1" sz="2000" b="0" kern="1200">
+                <a:solidFill>
+                  <a:schemeClr val="tx1"/>
+                </a:solidFill>
+                <a:latin typeface="Arial Unicode MS" panose="020B0604020202020204" pitchFamily="50" charset="-128"/>
+                <a:ea typeface="Arial Unicode MS" panose="020B0604020202020204" pitchFamily="50" charset="-128"/>
+                <a:cs typeface="Arial Unicode MS" panose="020B0604020202020204" pitchFamily="50" charset="-128"/>
+              </a:defRPr>
+            </a:lvl1pPr>
+            <a:lvl2pPr marL="687600" marR="0" indent="-230400" algn="l" defTabSz="914400" rtl="0" eaLnBrk="1" fontAlgn="auto" latinLnBrk="0" hangingPunct="1">
+              <a:lnSpc>
+                <a:spcPct val="100000"/>
+              </a:lnSpc>
+              <a:spcBef>
+                <a:spcPts val="500"/>
+              </a:spcBef>
+              <a:spcAft>
+                <a:spcPts val="0"/>
+              </a:spcAft>
+              <a:buClrTx/>
+              <a:buSzTx/>
+              <a:buFont typeface="Meiryo UI" panose="020B0604030504040204" pitchFamily="50" charset="-128"/>
+              <a:buChar char="ｰ"/>
+              <a:tabLst/>
+              <a:defRPr kumimoji="1" sz="2000" kern="1200">
+                <a:solidFill>
+                  <a:schemeClr val="tx1"/>
+                </a:solidFill>
+                <a:latin typeface="Arial" panose="020B0604020202020204" pitchFamily="34" charset="0"/>
+                <a:ea typeface="Arial Unicode MS" panose="020B0604020202020204" pitchFamily="50" charset="-128"/>
+                <a:cs typeface="Arial" panose="020B0604020202020204" pitchFamily="34" charset="0"/>
+              </a:defRPr>
+            </a:lvl2pPr>
+            <a:lvl3pPr marL="1144800" marR="0" indent="-230400" algn="l" defTabSz="914400" rtl="0" eaLnBrk="1" fontAlgn="auto" latinLnBrk="0" hangingPunct="1">
+              <a:lnSpc>
+                <a:spcPct val="100000"/>
+              </a:lnSpc>
+              <a:spcBef>
+                <a:spcPts val="500"/>
+              </a:spcBef>
+              <a:spcAft>
+                <a:spcPts val="0"/>
+              </a:spcAft>
+              <a:buClrTx/>
+              <a:buSzTx/>
+              <a:buFont typeface="Arial" panose="020B0604020202020204" pitchFamily="34" charset="0"/>
+              <a:buChar char="•"/>
+              <a:tabLst/>
+              <a:defRPr kumimoji="1" sz="1800" kern="1200">
+                <a:solidFill>
+                  <a:schemeClr val="tx1"/>
+                </a:solidFill>
+                <a:latin typeface="Arial" panose="020B0604020202020204" pitchFamily="34" charset="0"/>
+                <a:ea typeface="Arial Unicode MS" panose="020B0604020202020204" pitchFamily="50" charset="-128"/>
+                <a:cs typeface="Arial" panose="020B0604020202020204" pitchFamily="34" charset="0"/>
+              </a:defRPr>
+            </a:lvl3pPr>
+            <a:lvl4pPr marL="1602000" marR="0" indent="-230400" algn="l" defTabSz="914400" rtl="0" eaLnBrk="1" fontAlgn="auto" latinLnBrk="0" hangingPunct="1">
+              <a:lnSpc>
+                <a:spcPct val="100000"/>
+              </a:lnSpc>
+              <a:spcBef>
+                <a:spcPts val="500"/>
+              </a:spcBef>
+              <a:spcAft>
+                <a:spcPts val="0"/>
+              </a:spcAft>
+              <a:buClrTx/>
+              <a:buSzTx/>
+              <a:buFont typeface="Meiryo UI" panose="020B0604030504040204" pitchFamily="50" charset="-128"/>
+              <a:buChar char="ｰ"/>
+              <a:tabLst/>
+              <a:defRPr kumimoji="1" sz="1600" kern="1200">
+                <a:solidFill>
+                  <a:schemeClr val="tx1"/>
+                </a:solidFill>
+                <a:latin typeface="Arial" panose="020B0604020202020204" pitchFamily="34" charset="0"/>
+                <a:ea typeface="Arial Unicode MS" panose="020B0604020202020204" pitchFamily="50" charset="-128"/>
+                <a:cs typeface="Arial" panose="020B0604020202020204" pitchFamily="34" charset="0"/>
+              </a:defRPr>
+            </a:lvl4pPr>
+            <a:lvl5pPr marL="2059200" marR="0" indent="-230400" algn="l" defTabSz="914400" rtl="0" eaLnBrk="1" fontAlgn="auto" latinLnBrk="0" hangingPunct="1">
+              <a:lnSpc>
+                <a:spcPct val="100000"/>
+              </a:lnSpc>
+              <a:spcBef>
+                <a:spcPts val="500"/>
+              </a:spcBef>
+              <a:spcAft>
+                <a:spcPts val="0"/>
+              </a:spcAft>
+              <a:buClrTx/>
+              <a:buSzTx/>
+              <a:buFont typeface="Meiryo UI" panose="020B0604030504040204" pitchFamily="50" charset="-128"/>
+              <a:buChar char="≫"/>
+              <a:tabLst/>
+              <a:defRPr kumimoji="1" sz="1600" kern="1200">
+                <a:solidFill>
+                  <a:schemeClr val="tx1"/>
+                </a:solidFill>
+                <a:latin typeface="Arial" panose="020B0604020202020204" pitchFamily="34" charset="0"/>
+                <a:ea typeface="Arial Unicode MS" panose="020B0604020202020204" pitchFamily="50" charset="-128"/>
+                <a:cs typeface="Arial" panose="020B0604020202020204" pitchFamily="34" charset="0"/>
+              </a:defRPr>
+            </a:lvl5pPr>
+            <a:lvl6pPr marL="2514600" indent="-228600" algn="l" defTabSz="914400" rtl="0" eaLnBrk="1" latinLnBrk="0" hangingPunct="1">
+              <a:lnSpc>
+                <a:spcPct val="100000"/>
+              </a:lnSpc>
+              <a:spcBef>
+                <a:spcPts val="500"/>
+              </a:spcBef>
+              <a:buFont typeface="Meiryo UI" panose="020B0604030504040204" pitchFamily="50" charset="-128"/>
+              <a:buChar char="≫"/>
+              <a:defRPr kumimoji="1" sz="1600" kern="1200" baseline="0">
+                <a:solidFill>
+                  <a:schemeClr val="tx1"/>
+                </a:solidFill>
+                <a:latin typeface="Arial" panose="020B0604020202020204" pitchFamily="34" charset="0"/>
+                <a:ea typeface="Arial Unicode MS" panose="020B0604020202020204" pitchFamily="50" charset="-128"/>
+                <a:cs typeface="+mn-cs"/>
+              </a:defRPr>
+            </a:lvl6pPr>
+            <a:lvl7pPr marL="2971800" indent="-228600" algn="l" defTabSz="914400" rtl="0" eaLnBrk="1" latinLnBrk="0" hangingPunct="1">
+              <a:lnSpc>
+                <a:spcPct val="100000"/>
+              </a:lnSpc>
+              <a:spcBef>
+                <a:spcPts val="500"/>
+              </a:spcBef>
+              <a:buFont typeface="Meiryo UI" panose="020B0604030504040204" pitchFamily="50" charset="-128"/>
+              <a:buChar char="≫"/>
+              <a:defRPr kumimoji="1" sz="1600" kern="1200" baseline="0">
+                <a:solidFill>
+                  <a:schemeClr val="tx1"/>
+                </a:solidFill>
+                <a:latin typeface="Arial" panose="020B0604020202020204" pitchFamily="34" charset="0"/>
+                <a:ea typeface="Arial Unicode MS" panose="020B0604020202020204" pitchFamily="50" charset="-128"/>
+                <a:cs typeface="+mn-cs"/>
+              </a:defRPr>
+            </a:lvl7pPr>
+            <a:lvl8pPr marL="3429000" indent="-228600" algn="l" defTabSz="914400" rtl="0" eaLnBrk="1" latinLnBrk="0" hangingPunct="1">
+              <a:lnSpc>
+                <a:spcPct val="100000"/>
+              </a:lnSpc>
+              <a:spcBef>
+                <a:spcPts val="500"/>
+              </a:spcBef>
+              <a:buFont typeface="Meiryo UI" panose="020B0604030504040204" pitchFamily="50" charset="-128"/>
+              <a:buChar char="≫"/>
+              <a:defRPr kumimoji="1" sz="1600" kern="1200" baseline="0">
+                <a:solidFill>
+                  <a:schemeClr val="tx1"/>
+                </a:solidFill>
+                <a:latin typeface="Arial" panose="020B0604020202020204" pitchFamily="34" charset="0"/>
+                <a:ea typeface="Arial Unicode MS" panose="020B0604020202020204" pitchFamily="50" charset="-128"/>
+                <a:cs typeface="+mn-cs"/>
+              </a:defRPr>
+            </a:lvl8pPr>
+            <a:lvl9pPr marL="3886200" indent="-228600" algn="l" defTabSz="914400" rtl="0" eaLnBrk="1" latinLnBrk="0" hangingPunct="1">
+              <a:lnSpc>
+                <a:spcPct val="100000"/>
+              </a:lnSpc>
+              <a:spcBef>
+                <a:spcPts val="500"/>
+              </a:spcBef>
+              <a:buFont typeface="Meiryo UI" panose="020B0604030504040204" pitchFamily="50" charset="-128"/>
+              <a:buChar char="≫"/>
+              <a:defRPr kumimoji="1" sz="1600" kern="1200" baseline="0">
+                <a:solidFill>
+                  <a:schemeClr val="tx1"/>
+                </a:solidFill>
+                <a:latin typeface="Arial" panose="020B0604020202020204" pitchFamily="34" charset="0"/>
+                <a:ea typeface="Arial Unicode MS" panose="020B0604020202020204" pitchFamily="50" charset="-128"/>
+                <a:cs typeface="+mn-cs"/>
+              </a:defRPr>
+            </a:lvl9pPr>
+          </a:lstStyle>
+          <a:p>
+            <a:r>
+              <a:rPr lang="en-US" altLang="ja-JP" sz="1600" i="1" dirty="0">
+                <a:solidFill>
+                  <a:srgbClr val="0000FF"/>
+                </a:solidFill>
+              </a:rPr>
+              <a:t>*Japanese is below</a:t>
+            </a:r>
+            <a:endParaRPr lang="ja-JP" altLang="en-US" sz="1600" i="1" dirty="0">
+              <a:solidFill>
+                <a:srgbClr val="0000FF"/>
+              </a:solidFill>
+            </a:endParaRPr>
+          </a:p>
+        </p:txBody>
+      </p:sp>
     </p:spTree>
     <p:extLst>
       <p:ext uri="{BB962C8B-B14F-4D97-AF65-F5344CB8AC3E}">
@@ -14752,7 +14990,7 @@
         <p:spPr>
           <a:xfrm>
             <a:off x="-103695" y="2289780"/>
-            <a:ext cx="9247695" cy="1154162"/>
+            <a:ext cx="9247695" cy="1646605"/>
           </a:xfrm>
           <a:prstGeom prst="rect">
             <a:avLst/>
@@ -14807,7 +15045,7 @@
                 <a:ea typeface="Arial Unicode MS" panose="020B0604020202020204" pitchFamily="50" charset="-128"/>
                 <a:cs typeface="Arial" panose="020B0604020202020204" pitchFamily="34" charset="0"/>
               </a:rPr>
-              <a:t>システム利用ガイド</a:t>
+              <a:t>システム利用説明</a:t>
             </a:r>
             <a:endParaRPr kumimoji="1" lang="en-US" altLang="ja-JP" sz="3200" b="1" dirty="0">
               <a:solidFill>
@@ -14850,7 +15088,25 @@
                 <a:ea typeface="Arial Unicode MS" panose="020B0604020202020204" pitchFamily="50" charset="-128"/>
                 <a:cs typeface="Arial" panose="020B0604020202020204" pitchFamily="34" charset="0"/>
               </a:rPr>
-              <a:t>（労働契約評価システム </a:t>
+              <a:t>（</a:t>
+            </a:r>
+            <a:r>
+              <a:rPr kumimoji="1" lang="en-US" sz="3200" b="1" dirty="0">
+                <a:solidFill>
+                  <a:srgbClr val="0000FF"/>
+                </a:solidFill>
+                <a:effectLst>
+                  <a:outerShdw blurRad="38100" dist="38100" dir="2700000" algn="tl">
+                    <a:srgbClr val="000000">
+                      <a:alpha val="43137"/>
+                    </a:srgbClr>
+                  </a:outerShdw>
+                </a:effectLst>
+                <a:latin typeface="Arial" panose="020B0604020202020204" pitchFamily="34" charset="0"/>
+                <a:ea typeface="Arial Unicode MS" panose="020B0604020202020204" pitchFamily="50" charset="-128"/>
+                <a:cs typeface="Arial" panose="020B0604020202020204" pitchFamily="34" charset="0"/>
+              </a:rPr>
+              <a:t> LABOUR CONTRACT EVALUATION SYSTEM </a:t>
             </a:r>
             <a:r>
               <a:rPr kumimoji="1" lang="en-US" altLang="ja-JP" sz="3200" b="1" dirty="0">
@@ -15247,7 +15503,7 @@
           <p:nvPr>
             <p:extLst>
               <p:ext uri="{D42A27DB-BD31-4B8C-83A1-F6EECF244321}">
-                <p14:modId xmlns:p14="http://schemas.microsoft.com/office/powerpoint/2010/main" val="3988704550"/>
+                <p14:modId xmlns:p14="http://schemas.microsoft.com/office/powerpoint/2010/main" val="4076223704"/>
               </p:ext>
             </p:extLst>
           </p:nvPr>
@@ -15298,7 +15554,7 @@
                             <a:schemeClr val="bg1"/>
                           </a:solidFill>
                         </a:rPr>
-                        <a:t>索引</a:t>
+                        <a:t>順</a:t>
                       </a:r>
                       <a:endParaRPr lang="en-US" sz="1800" b="1" dirty="0">
                         <a:solidFill>
@@ -15327,7 +15583,7 @@
                             <a:schemeClr val="bg1"/>
                           </a:solidFill>
                         </a:rPr>
-                        <a:t>コンテンツ</a:t>
+                        <a:t>内容</a:t>
                       </a:r>
                       <a:endParaRPr lang="en-US" sz="1800" b="1" dirty="0">
                         <a:solidFill>
@@ -15401,7 +15657,7 @@
                     <a:p>
                       <a:r>
                         <a:rPr lang="ja-JP" altLang="en-US" sz="1800" dirty="0"/>
-                        <a:t>システムにログインするための手順</a:t>
+                        <a:t>システムにログインするための説明</a:t>
                       </a:r>
                       <a:endParaRPr lang="en-US" sz="1800" dirty="0"/>
                     </a:p>
@@ -15415,9 +15671,10 @@
                     <a:p>
                       <a:pPr algn="ctr"/>
                       <a:r>
-                        <a:rPr lang="en-US" sz="1800" dirty="0"/>
-                        <a:t>Users</a:t>
+                        <a:rPr lang="ja-JP" altLang="en-US" sz="1800" dirty="0"/>
+                        <a:t>システムを使用する者</a:t>
                       </a:r>
+                      <a:endParaRPr lang="en-US" sz="1800" dirty="0"/>
                     </a:p>
                   </a:txBody>
                   <a:tcPr anchor="ctr"/>
@@ -15450,7 +15707,7 @@
                     <a:p>
                       <a:r>
                         <a:rPr lang="ja-JP" altLang="en-US" sz="1800" dirty="0"/>
-                        <a:t>クラーク部門リストデータ作成ガイド</a:t>
+                        <a:t>総務担当者のリストマスターの作成の説明</a:t>
                       </a:r>
                       <a:endParaRPr lang="en-US" sz="1800" dirty="0"/>
                     </a:p>
@@ -15532,7 +15789,7 @@
                       </a:pPr>
                       <a:r>
                         <a:rPr lang="ja-JP" altLang="en-US" sz="1800" dirty="0"/>
-                        <a:t>評価する</a:t>
+                        <a:t>評価の作成</a:t>
                       </a:r>
                       <a:endParaRPr lang="en-US" sz="1800" dirty="0"/>
                     </a:p>
@@ -15597,7 +15854,7 @@
                     <a:p>
                       <a:r>
                         <a:rPr lang="ja-JP" altLang="en-US" sz="1800" dirty="0"/>
-                        <a:t>レビューを記入してください</a:t>
+                        <a:t>評価を入力する</a:t>
                       </a:r>
                       <a:endParaRPr lang="en-US" sz="1800" dirty="0"/>
                     </a:p>
@@ -15628,7 +15885,7 @@
                       </a:pPr>
                       <a:r>
                         <a:rPr lang="ja-JP" altLang="en-US" sz="1800" dirty="0"/>
-                        <a:t>部門のクラークと評価者</a:t>
+                        <a:t>総務担当者と各部門</a:t>
                       </a:r>
                       <a:endParaRPr lang="en-US" sz="1800" dirty="0"/>
                     </a:p>
@@ -15828,7 +16085,7 @@
                       </a:pPr>
                       <a:r>
                         <a:rPr lang="ja-JP" altLang="en-US" sz="1800" dirty="0"/>
-                        <a:t>メール情報</a:t>
+                        <a:t>知らせのメール</a:t>
                       </a:r>
                       <a:endParaRPr lang="en-US" sz="1800" dirty="0"/>
                     </a:p>
@@ -15915,7 +16172,7 @@
                 <a:latin typeface="+mj-lt"/>
                 <a:cs typeface="Times New Roman" panose="02020603050405020304" pitchFamily="18" charset="0"/>
               </a:rPr>
-              <a:t>システム利用ガイド</a:t>
+              <a:t>システム利用説明</a:t>
             </a:r>
             <a:br>
               <a:rPr kumimoji="1" lang="en-US" altLang="ja-JP" sz="2000" b="1" dirty="0">
@@ -15997,7 +16254,7 @@
             </a:r>
             <a:r>
               <a:rPr lang="ja-JP" altLang="en-US" sz="2000" dirty="0"/>
-              <a:t>システムにログインするための手順</a:t>
+              <a:t>システムにログインするための説明</a:t>
             </a:r>
             <a:endParaRPr lang="en-US" dirty="0"/>
           </a:p>
@@ -16579,11 +16836,11 @@
               </a:spcAft>
             </a:pPr>
             <a:r>
-              <a:rPr lang="en-US" sz="1200" b="1" dirty="0">
-                <a:latin typeface="Calibri" panose="020F0502020204030204" pitchFamily="34" charset="0"/>
-                <a:ea typeface="Yu Mincho" panose="02020400000000000000" pitchFamily="18" charset="-128"/>
-              </a:rPr>
-              <a:t>Lưu ý</a:t>
+              <a:rPr lang="ja-JP" altLang="en-US" sz="1200" b="1" dirty="0">
+                <a:latin typeface="Calibri" panose="020F0502020204030204" pitchFamily="34" charset="0"/>
+                <a:ea typeface="Yu Mincho" panose="02020400000000000000" pitchFamily="18" charset="-128"/>
+              </a:rPr>
+              <a:t>留意</a:t>
             </a:r>
             <a:r>
               <a:rPr lang="en-US" sz="1200" dirty="0">
@@ -16871,7 +17128,7 @@
                   <a:srgbClr val="0000FF"/>
                 </a:solidFill>
               </a:rPr>
-              <a:t>システムモニター</a:t>
+              <a:t>システム画面</a:t>
             </a:r>
             <a:endParaRPr lang="en-US" b="1" dirty="0">
               <a:solidFill>
@@ -16895,7 +17152,7 @@
         </p:nvSpPr>
         <p:spPr>
           <a:xfrm>
-            <a:off x="0" y="5762286"/>
+            <a:off x="181689" y="5828003"/>
             <a:ext cx="9049109" cy="600164"/>
           </a:xfrm>
           <a:prstGeom prst="rect">
@@ -16927,7 +17184,7 @@
                 <a:effectLst/>
                 <a:latin typeface="Roboto" panose="02000000000000000000" pitchFamily="2" charset="0"/>
               </a:rPr>
-              <a:t>ポジションに応じて、ユーザーが使用を許可されている機能のリストが画面に表示されます。</a:t>
+              <a:t>役割に応じて、ユーザーが使用を許可されている機能のリストが画面に表示されます。</a:t>
             </a:r>
             <a:endParaRPr lang="en-US" altLang="ja-JP" sz="1400" b="0" i="0" dirty="0">
               <a:solidFill>
@@ -16956,7 +17213,26 @@
                 <a:effectLst/>
                 <a:latin typeface="Roboto" panose="02000000000000000000" pitchFamily="2" charset="0"/>
               </a:rPr>
-              <a:t> 表示されるジョブの数は、ユーザーではなく部門ごとにカウントされます。</a:t>
+              <a:t> 表示される</a:t>
+            </a:r>
+            <a:r>
+              <a:rPr lang="ja-JP" altLang="en-US" sz="1400" dirty="0">
+                <a:solidFill>
+                  <a:srgbClr val="3C4043"/>
+                </a:solidFill>
+                <a:latin typeface="Roboto" panose="02000000000000000000" pitchFamily="2" charset="0"/>
+              </a:rPr>
+              <a:t>業務</a:t>
+            </a:r>
+            <a:r>
+              <a:rPr lang="ja-JP" altLang="en-US" sz="1400" b="0" i="0" dirty="0">
+                <a:solidFill>
+                  <a:srgbClr val="3C4043"/>
+                </a:solidFill>
+                <a:effectLst/>
+                <a:latin typeface="Roboto" panose="02000000000000000000" pitchFamily="2" charset="0"/>
+              </a:rPr>
+              <a:t>数は、ユーザーではなく部門ごとに計算されます。</a:t>
             </a:r>
             <a:endParaRPr lang="en-US" sz="1400" dirty="0">
               <a:latin typeface="+mj-lt"/>
@@ -17274,7 +17550,7 @@
                 <a:latin typeface="Calibri" panose="020F0502020204030204" pitchFamily="34" charset="0"/>
                 <a:ea typeface="Yu Mincho" panose="02020400000000000000" pitchFamily="18" charset="-128"/>
               </a:rPr>
-              <a:t>担当部署にジョブ番号をお知らせください。「</a:t>
+              <a:t>担当部門での業務数をお知らせる。「</a:t>
             </a:r>
             <a:r>
               <a:rPr lang="ja-JP" altLang="en-US" sz="1100" b="1" dirty="0">
@@ -17288,7 +17564,7 @@
                 <a:latin typeface="Calibri" panose="020F0502020204030204" pitchFamily="34" charset="0"/>
                 <a:ea typeface="Yu Mincho" panose="02020400000000000000" pitchFamily="18" charset="-128"/>
               </a:rPr>
-              <a:t>」をクリックするとジョブ画面に移動します。</a:t>
+              <a:t>」をクリックすると業務画面に移動します。</a:t>
             </a:r>
             <a:endParaRPr kumimoji="0" lang="en-US" altLang="en-US" sz="1800" b="0" i="0" u="none" strike="noStrike" cap="none" normalizeH="0" baseline="0" dirty="0">
               <a:ln>
@@ -17705,7 +17981,7 @@
                 <a:latin typeface="Calibri" panose="020F0502020204030204" pitchFamily="34" charset="0"/>
                 <a:ea typeface="Yu Mincho" panose="02020400000000000000" pitchFamily="18" charset="-128"/>
               </a:rPr>
-              <a:t>使用方法</a:t>
+              <a:t>使用説明</a:t>
             </a:r>
             <a:endParaRPr kumimoji="0" lang="en-US" altLang="en-US" sz="1800" b="0" i="0" u="none" strike="noStrike" cap="none" normalizeH="0" baseline="0" dirty="0">
               <a:ln>
@@ -17722,39 +17998,58 @@
       </p:sp>
       <p:sp>
         <p:nvSpPr>
-          <p:cNvPr id="2" name="Title 2">
+          <p:cNvPr id="11" name="Title 2">
             <a:extLst>
               <a:ext uri="{FF2B5EF4-FFF2-40B4-BE49-F238E27FC236}">
-                <a16:creationId xmlns:a16="http://schemas.microsoft.com/office/drawing/2014/main" id="{FA08214D-4318-DC92-6AA2-67DE437EA10E}"/>
+                <a16:creationId xmlns:a16="http://schemas.microsoft.com/office/drawing/2014/main" id="{969D27EA-FE71-5761-DA3B-206ADD445E36}"/>
               </a:ext>
             </a:extLst>
           </p:cNvPr>
-          <p:cNvSpPr>
-            <a:spLocks noGrp="1"/>
+          <p:cNvSpPr txBox="1">
+            <a:spLocks/>
           </p:cNvSpPr>
-          <p:nvPr>
-            <p:ph type="title"/>
-          </p:nvPr>
+          <p:nvPr/>
         </p:nvSpPr>
-        <p:spPr>
+        <p:spPr bwMode="white">
           <a:xfrm>
-            <a:off x="295646" y="156116"/>
+            <a:off x="363379" y="216734"/>
             <a:ext cx="6878068" cy="539209"/>
           </a:xfrm>
+          <a:prstGeom prst="rect">
+            <a:avLst/>
+          </a:prstGeom>
         </p:spPr>
         <p:txBody>
-          <a:bodyPr>
+          <a:bodyPr vert="horz" lIns="91440" tIns="45720" rIns="91440" bIns="45720" rtlCol="0" anchor="ctr">
             <a:normAutofit/>
           </a:bodyPr>
-          <a:lstStyle/>
+          <a:lstStyle>
+            <a:lvl1pPr algn="l" defTabSz="914400" rtl="0" eaLnBrk="1" latinLnBrk="0" hangingPunct="1">
+              <a:lnSpc>
+                <a:spcPct val="100000"/>
+              </a:lnSpc>
+              <a:spcBef>
+                <a:spcPct val="0"/>
+              </a:spcBef>
+              <a:buNone/>
+              <a:defRPr kumimoji="1" sz="2000" b="1" kern="1200">
+                <a:solidFill>
+                  <a:schemeClr val="bg1"/>
+                </a:solidFill>
+                <a:latin typeface="Arial Unicode MS" panose="020B0604020202020204" pitchFamily="50" charset="-128"/>
+                <a:ea typeface="Arial Unicode MS" panose="020B0604020202020204" pitchFamily="50" charset="-128"/>
+                <a:cs typeface="Arial Unicode MS" panose="020B0604020202020204" pitchFamily="50" charset="-128"/>
+              </a:defRPr>
+            </a:lvl1pPr>
+          </a:lstStyle>
           <a:p>
             <a:r>
               <a:rPr lang="en-US" dirty="0"/>
               <a:t>1.</a:t>
             </a:r>
             <a:r>
-              <a:rPr lang="ja-JP" altLang="en-US" sz="2000" dirty="0"/>
-              <a:t>システムにログインするための手順</a:t>
+              <a:rPr lang="ja-JP" altLang="en-US" dirty="0"/>
+              <a:t>システムにログインするための説明</a:t>
             </a:r>
             <a:endParaRPr lang="en-US" dirty="0"/>
           </a:p>
@@ -17819,7 +18114,7 @@
             </a:r>
             <a:r>
               <a:rPr lang="ja-JP" altLang="en-US" sz="2000" dirty="0"/>
-              <a:t>クラーク部門リストデータ作成ガイド</a:t>
+              <a:t>総務担当者のリストマスターの作成の説明</a:t>
             </a:r>
             <a:endParaRPr lang="en-US" dirty="0"/>
           </a:p>
@@ -18045,16 +18340,11 @@
                 <a:effectLst/>
                 <a:latin typeface="Roboto" panose="02000000000000000000" pitchFamily="2" charset="0"/>
               </a:rPr>
-              <a:t> 「クラーク部門情報</a:t>
-            </a:r>
-            <a:r>
-              <a:rPr lang="en-US" altLang="ja-JP" sz="1200" dirty="0">
-                <a:solidFill>
-                  <a:srgbClr val="3C4043"/>
-                </a:solidFill>
-                <a:latin typeface="Roboto" panose="02000000000000000000" pitchFamily="2" charset="0"/>
-              </a:rPr>
-              <a:t> </a:t>
+              <a:t> 「</a:t>
+            </a:r>
+            <a:r>
+              <a:rPr lang="ja-JP" altLang="en-US" sz="1200" dirty="0"/>
+              <a:t>総務担当者</a:t>
             </a:r>
             <a:r>
               <a:rPr lang="ja-JP" altLang="en-US" sz="1200" b="0" i="0" dirty="0">
@@ -18064,7 +18354,7 @@
                 <a:effectLst/>
                 <a:latin typeface="Roboto" panose="02000000000000000000" pitchFamily="2" charset="0"/>
               </a:rPr>
-              <a:t>」 へ移動</a:t>
+              <a:t>情報」 へ移動</a:t>
             </a:r>
             <a:endParaRPr lang="en-US" altLang="en-US" sz="1200" dirty="0">
               <a:latin typeface="Calibri" panose="020F0502020204030204" pitchFamily="34" charset="0"/>
@@ -18438,21 +18728,13 @@
           <a:bodyPr rtlCol="0" anchor="ctr"/>
           <a:lstStyle/>
           <a:p>
-            <a:pPr marL="0" marR="0" lvl="0" indent="0" algn="l" defTabSz="914400" rtl="0" eaLnBrk="0" fontAlgn="base" latinLnBrk="0" hangingPunct="0">
-              <a:lnSpc>
-                <a:spcPct val="100000"/>
-              </a:lnSpc>
+            <a:pPr defTabSz="914400" eaLnBrk="0" fontAlgn="base" hangingPunct="0">
               <a:spcBef>
                 <a:spcPct val="0"/>
               </a:spcBef>
               <a:spcAft>
                 <a:spcPts val="800"/>
               </a:spcAft>
-              <a:buClrTx/>
-              <a:buSzTx/>
-              <a:buFontTx/>
-              <a:buNone/>
-              <a:tabLst/>
             </a:pPr>
             <a:r>
               <a:rPr lang="ja-JP" altLang="en-US" sz="1200" b="1" i="0" dirty="0">
@@ -18484,7 +18766,7 @@
                 <a:ea typeface="Calibri" panose="020F0502020204030204" pitchFamily="34" charset="0"/>
                 <a:cs typeface="Calibri" panose="020F0502020204030204" pitchFamily="34" charset="0"/>
               </a:rPr>
-              <a:t>: </a:t>
+              <a:t>:</a:t>
             </a:r>
             <a:r>
               <a:rPr lang="ja-JP" altLang="en-US" sz="1200" b="0" i="0" dirty="0">
@@ -18494,7 +18776,44 @@
                 <a:effectLst/>
                 <a:latin typeface="Roboto" panose="02000000000000000000" pitchFamily="2" charset="0"/>
               </a:rPr>
-              <a:t>部門のクラーク情報をファイルでインポートする（複数の人をインポートする）か、新規追加する（各人をインポートする）かを選択します。</a:t>
+              <a:t>ファイルで</a:t>
+            </a:r>
+            <a:r>
+              <a:rPr lang="ja-JP" altLang="en-US" sz="1200" dirty="0">
+                <a:solidFill>
+                  <a:schemeClr val="tx1"/>
+                </a:solidFill>
+              </a:rPr>
+              <a:t>総務担当者</a:t>
+            </a:r>
+            <a:r>
+              <a:rPr lang="ja-JP" altLang="en-US" sz="1200" b="0" i="0" dirty="0">
+                <a:solidFill>
+                  <a:srgbClr val="3C4043"/>
+                </a:solidFill>
+                <a:effectLst/>
+                <a:latin typeface="Roboto" panose="02000000000000000000" pitchFamily="2" charset="0"/>
+              </a:rPr>
+              <a:t>情報を入力する（複数の人を入力する）か、追加する（各人を入力する）かを選択</a:t>
+            </a:r>
+            <a:r>
+              <a:rPr lang="ja-JP" altLang="en-US" sz="1200" dirty="0">
+                <a:solidFill>
+                  <a:srgbClr val="3C4043"/>
+                </a:solidFill>
+                <a:latin typeface="Roboto" panose="02000000000000000000" pitchFamily="2" charset="0"/>
+              </a:rPr>
+              <a:t>する</a:t>
+            </a:r>
+            <a:r>
+              <a:rPr lang="ja-JP" altLang="en-US" sz="1200" b="0" i="0" dirty="0">
+                <a:solidFill>
+                  <a:srgbClr val="3C4043"/>
+                </a:solidFill>
+                <a:effectLst/>
+                <a:latin typeface="Roboto" panose="02000000000000000000" pitchFamily="2" charset="0"/>
+              </a:rPr>
+              <a:t>。</a:t>
             </a:r>
             <a:endParaRPr lang="en-US" altLang="en-US" sz="1200" dirty="0">
               <a:solidFill>
@@ -18640,7 +18959,7 @@
                 <a:effectLst/>
                 <a:latin typeface="Roboto" panose="02000000000000000000" pitchFamily="2" charset="0"/>
               </a:rPr>
-              <a:t>非アクティブなユーザーを削除する</a:t>
+              <a:t>適切がないユーザーを削除する</a:t>
             </a:r>
             <a:endParaRPr kumimoji="0" lang="en-US" altLang="en-US" sz="1800" b="0" i="0" u="none" strike="noStrike" cap="none" normalizeH="0" baseline="0" dirty="0">
               <a:ln>
@@ -18736,17 +19055,7 @@
                 <a:effectLst/>
                 <a:latin typeface="Roboto" panose="02000000000000000000" pitchFamily="2" charset="0"/>
               </a:rPr>
-              <a:t>エクスポートファイル </a:t>
-            </a:r>
-            <a:r>
-              <a:rPr lang="en-US" altLang="ja-JP" sz="1100" b="0" i="0" dirty="0">
-                <a:solidFill>
-                  <a:srgbClr val="3C4043"/>
-                </a:solidFill>
-                <a:effectLst/>
-                <a:latin typeface="Roboto" panose="02000000000000000000" pitchFamily="2" charset="0"/>
-              </a:rPr>
-              <a:t>Excel</a:t>
+              <a:t>エクスルファイルを提出する</a:t>
             </a:r>
             <a:endParaRPr kumimoji="0" lang="en-US" altLang="en-US" sz="1800" b="0" i="0" u="none" strike="noStrike" cap="none" normalizeH="0" baseline="0" dirty="0">
               <a:ln>
@@ -18874,6 +19183,15 @@
               <a:t>Note: </a:t>
             </a:r>
             <a:r>
+              <a:rPr lang="ja-JP" altLang="en-US" sz="1400" dirty="0">
+                <a:solidFill>
+                  <a:srgbClr val="3C4043"/>
+                </a:solidFill>
+                <a:latin typeface="Roboto" panose="02000000000000000000" pitchFamily="2" charset="0"/>
+              </a:rPr>
+              <a:t>情報を入力されない総務担当者は</a:t>
+            </a:r>
+            <a:r>
               <a:rPr lang="ja-JP" altLang="en-US" sz="1400" b="0" i="0" dirty="0">
                 <a:solidFill>
                   <a:srgbClr val="3C4043"/>
@@ -18881,7 +19199,7 @@
                 <a:effectLst/>
                 <a:latin typeface="Roboto" panose="02000000000000000000" pitchFamily="2" charset="0"/>
               </a:rPr>
-              <a:t>入力されていない部門クラーク情報は評価されません。部門費用は正しく入力する必要があります。</a:t>
+              <a:t>評価されません。部門コードは正しく入力する必要があります。</a:t>
             </a:r>
             <a:endParaRPr lang="en-US" sz="1400" dirty="0">
               <a:latin typeface="+mj-lt"/>
@@ -18986,6 +19304,10 @@
               <a:t>=&gt; </a:t>
             </a:r>
             <a:r>
+              <a:rPr lang="ja-JP" altLang="en-US" sz="1600" dirty="0"/>
+              <a:t>総務担当者</a:t>
+            </a:r>
+            <a:r>
               <a:rPr lang="ja-JP" altLang="en-US" sz="1600" b="0" i="0" dirty="0">
                 <a:solidFill>
                   <a:srgbClr val="3C4043"/>
@@ -18993,7 +19315,7 @@
                 <a:effectLst/>
                 <a:latin typeface="Roboto" panose="02000000000000000000" pitchFamily="2" charset="0"/>
               </a:rPr>
-              <a:t>クラーク部門情報</a:t>
+              <a:t>情報</a:t>
             </a:r>
             <a:endParaRPr lang="en-US" sz="1600" dirty="0">
               <a:latin typeface="+mj-lt"/>
@@ -19049,7 +19371,11 @@
                 <a:latin typeface="+mj-lt"/>
                 <a:ea typeface="MS Mincho" panose="02020609040205080304" pitchFamily="49" charset="-128"/>
               </a:rPr>
-              <a:t>: </a:t>
+              <a:t>:</a:t>
+            </a:r>
+            <a:r>
+              <a:rPr lang="ja-JP" altLang="en-US" sz="1600" dirty="0"/>
+              <a:t>総務担当者の</a:t>
             </a:r>
             <a:r>
               <a:rPr lang="ja-JP" altLang="en-US" sz="1600" b="0" i="0" dirty="0">
@@ -19079,7 +19405,7 @@
                 <a:effectLst/>
                 <a:latin typeface="Roboto" panose="02000000000000000000" pitchFamily="2" charset="0"/>
               </a:rPr>
-              <a:t>削除 クラーク部門</a:t>
+              <a:t>削除</a:t>
             </a:r>
             <a:endParaRPr lang="en-US" sz="1600" b="1" dirty="0">
               <a:latin typeface="+mj-lt"/>
@@ -19259,21 +19585,18 @@
             </a:r>
             <a:r>
               <a:rPr lang="ja-JP" altLang="en-US" sz="2000" dirty="0"/>
-              <a:t>評価する</a:t>
+              <a:t>評価の作成</a:t>
             </a:r>
             <a:br>
               <a:rPr lang="en-US" sz="2000" dirty="0"/>
             </a:br>
             <a:r>
               <a:rPr lang="en-US" sz="2000" dirty="0"/>
-              <a:t>3.1 </a:t>
-            </a:r>
-            <a:r>
-              <a:rPr lang="ja-JP" altLang="en-US" b="0" i="0" dirty="0">
-                <a:effectLst/>
-                <a:latin typeface="Roboto" panose="02000000000000000000" pitchFamily="2" charset="0"/>
-              </a:rPr>
-              <a:t>レビューを入力</a:t>
+              <a:t>3.1</a:t>
+            </a:r>
+            <a:r>
+              <a:rPr lang="ja-JP" altLang="en-US" sz="2000" dirty="0"/>
+              <a:t>評価を入力する</a:t>
             </a:r>
             <a:endParaRPr lang="en-US" dirty="0"/>
           </a:p>
@@ -19663,11 +19986,18 @@
           <a:lstStyle/>
           <a:p>
             <a:r>
+              <a:rPr lang="ja-JP" altLang="en-US" sz="1200" b="1" dirty="0">
+                <a:latin typeface="+mj-lt"/>
+                <a:ea typeface="MS Mincho" panose="02020609040205080304" pitchFamily="49" charset="-128"/>
+              </a:rPr>
+              <a:t>留意</a:t>
+            </a:r>
+            <a:r>
               <a:rPr lang="en-US" sz="1200" b="1" dirty="0">
                 <a:latin typeface="+mj-lt"/>
                 <a:ea typeface="MS Mincho" panose="02020609040205080304" pitchFamily="49" charset="-128"/>
               </a:rPr>
-              <a:t>Lưu ý: </a:t>
+              <a:t>: </a:t>
             </a:r>
           </a:p>
           <a:p>
@@ -19677,24 +20007,18 @@
             </a:pPr>
             <a:r>
               <a:rPr lang="ja-JP" altLang="en-US" sz="1200" dirty="0">
-                <a:latin typeface="+mj-lt"/>
-                <a:ea typeface="MS Mincho" panose="02020609040205080304" pitchFamily="49" charset="-128"/>
-              </a:rPr>
-              <a:t>部門クラークスが評価を</a:t>
-            </a:r>
-            <a:r>
-              <a:rPr lang="en-US" altLang="ja-JP" sz="1200" dirty="0">
-                <a:latin typeface="+mj-lt"/>
-                <a:ea typeface="MS Mincho" panose="02020609040205080304" pitchFamily="49" charset="-128"/>
-              </a:rPr>
-              <a:t>PIC HR</a:t>
+                <a:solidFill>
+                  <a:schemeClr val="tx1"/>
+                </a:solidFill>
+              </a:rPr>
+              <a:t>総務担当者</a:t>
             </a:r>
             <a:r>
               <a:rPr lang="ja-JP" altLang="en-US" sz="1200" dirty="0">
                 <a:latin typeface="+mj-lt"/>
                 <a:ea typeface="MS Mincho" panose="02020609040205080304" pitchFamily="49" charset="-128"/>
               </a:rPr>
-              <a:t>に返却した場合、従業員情報は赤で表示されます。</a:t>
+              <a:t>が評価を人事課の担当者に返却した場合、従業員情報は赤で表示されます。</a:t>
             </a:r>
             <a:endParaRPr lang="en-US" altLang="ja-JP" sz="1200" dirty="0">
               <a:latin typeface="+mj-lt"/>
@@ -19703,18 +20027,11 @@
           </a:p>
           <a:p>
             <a:r>
-              <a:rPr lang="en-US" altLang="ja-JP" sz="1200" dirty="0">
-                <a:latin typeface="+mj-lt"/>
-                <a:ea typeface="MS Mincho" panose="02020609040205080304" pitchFamily="49" charset="-128"/>
-              </a:rPr>
-              <a:t>PIC PER </a:t>
-            </a:r>
-            <a:r>
               <a:rPr lang="ja-JP" altLang="en-US" sz="1200" dirty="0">
                 <a:latin typeface="+mj-lt"/>
                 <a:ea typeface="MS Mincho" panose="02020609040205080304" pitchFamily="49" charset="-128"/>
               </a:rPr>
-              <a:t>では、ペンアイコンをクリックして、部門、グループなどの従業員情報を編集できます。</a:t>
+              <a:t>人事課担当者では、「ペン」のアイコンをクリックして、部門、グループなどの従業員情報を修正できます。</a:t>
             </a:r>
             <a:endParaRPr lang="en-US" altLang="ja-JP" sz="1200" dirty="0">
               <a:latin typeface="+mj-lt"/>
@@ -19779,7 +20096,7 @@
         <p:spPr>
           <a:xfrm>
             <a:off x="89954" y="853487"/>
-            <a:ext cx="9338733" cy="1169551"/>
+            <a:ext cx="9338733" cy="954107"/>
           </a:xfrm>
           <a:prstGeom prst="rect">
             <a:avLst/>
@@ -19827,14 +20144,25 @@
               <a:t>「</a:t>
             </a:r>
             <a:r>
-              <a:rPr lang="ja-JP" altLang="en-US" sz="1400" b="1" i="0" dirty="0">
+              <a:rPr lang="ja-JP" altLang="en-US" sz="1400" dirty="0"/>
+              <a:t>評価の作成</a:t>
+            </a:r>
+            <a:r>
+              <a:rPr lang="ja-JP" altLang="en-US" sz="1400" b="0" i="0" dirty="0">
                 <a:solidFill>
                   <a:srgbClr val="3C4043"/>
                 </a:solidFill>
                 <a:effectLst/>
                 <a:latin typeface="Roboto" panose="02000000000000000000" pitchFamily="2" charset="0"/>
               </a:rPr>
-              <a:t>レビューを入力</a:t>
+              <a:t>」へ進む </a:t>
+            </a:r>
+            <a:r>
+              <a:rPr lang="en-US" sz="1400" dirty="0">
+                <a:latin typeface="+mj-lt"/>
+                <a:ea typeface="MS Mincho" panose="02020609040205080304" pitchFamily="49" charset="-128"/>
+              </a:rPr>
+              <a:t>=&gt; </a:t>
             </a:r>
             <a:r>
               <a:rPr lang="ja-JP" altLang="en-US" sz="1400" b="0" i="0" dirty="0">
@@ -19844,24 +20172,7 @@
                 <a:effectLst/>
                 <a:latin typeface="Roboto" panose="02000000000000000000" pitchFamily="2" charset="0"/>
               </a:rPr>
-              <a:t>」へ進む </a:t>
-            </a:r>
-            <a:r>
-              <a:rPr lang="en-US" sz="1400" dirty="0">
-                <a:latin typeface="+mj-lt"/>
-                <a:ea typeface="MS Mincho" panose="02020609040205080304" pitchFamily="49" charset="-128"/>
-              </a:rPr>
-              <a:t>=&gt; </a:t>
-            </a:r>
-            <a:r>
-              <a:rPr lang="ja-JP" altLang="en-US" sz="1400" b="0" i="0" dirty="0">
-                <a:solidFill>
-                  <a:srgbClr val="3C4043"/>
-                </a:solidFill>
-                <a:effectLst/>
-                <a:latin typeface="Roboto" panose="02000000000000000000" pitchFamily="2" charset="0"/>
-              </a:rPr>
-              <a:t>インポートレビューの種類を選択</a:t>
+              <a:t>評価類を選択</a:t>
             </a:r>
             <a:endParaRPr lang="en-US" sz="1400" dirty="0">
               <a:latin typeface="+mj-lt"/>
@@ -19977,6 +20288,15 @@
               <a:t>4: </a:t>
             </a:r>
             <a:r>
+              <a:rPr lang="ja-JP" altLang="en-US" sz="1400" dirty="0">
+                <a:solidFill>
+                  <a:srgbClr val="3C4043"/>
+                </a:solidFill>
+                <a:latin typeface="Roboto" panose="02000000000000000000" pitchFamily="2" charset="0"/>
+              </a:rPr>
+              <a:t>人事課の中級</a:t>
+            </a:r>
+            <a:r>
               <a:rPr lang="zh-TW" altLang="en-US" sz="1400" b="0" i="0" dirty="0">
                 <a:solidFill>
                   <a:srgbClr val="3C4043"/>
@@ -19984,14 +20304,7 @@
                 <a:effectLst/>
                 <a:latin typeface="Roboto" panose="02000000000000000000" pitchFamily="2" charset="0"/>
               </a:rPr>
-              <a:t>中間管理職選抜人事部 </a:t>
-            </a:r>
-            <a:r>
-              <a:rPr lang="en-US" sz="1400" dirty="0">
-                <a:latin typeface="+mj-lt"/>
-                <a:ea typeface="MS Mincho" panose="02020609040205080304" pitchFamily="49" charset="-128"/>
-              </a:rPr>
-              <a:t>=&gt; </a:t>
+              <a:t>管理職</a:t>
             </a:r>
             <a:r>
               <a:rPr lang="ja-JP" altLang="en-US" sz="1400" b="0" i="0" dirty="0">
@@ -20001,17 +20314,24 @@
                 <a:effectLst/>
                 <a:latin typeface="Roboto" panose="02000000000000000000" pitchFamily="2" charset="0"/>
               </a:rPr>
-              <a:t>「</a:t>
-            </a:r>
-            <a:r>
-              <a:rPr lang="ja-JP" altLang="en-US" sz="1400" b="1" i="0" dirty="0">
+              <a:t>を選択する</a:t>
+            </a:r>
+            <a:r>
+              <a:rPr lang="zh-TW" altLang="en-US" sz="1400" b="0" i="0" dirty="0">
                 <a:solidFill>
                   <a:srgbClr val="3C4043"/>
                 </a:solidFill>
                 <a:effectLst/>
                 <a:latin typeface="Roboto" panose="02000000000000000000" pitchFamily="2" charset="0"/>
               </a:rPr>
-              <a:t>送信</a:t>
+              <a:t> </a:t>
+            </a:r>
+            <a:r>
+              <a:rPr lang="en-US" sz="1400" dirty="0">
+                <a:latin typeface="+mj-lt"/>
+                <a:ea typeface="MS Mincho" panose="02020609040205080304" pitchFamily="49" charset="-128"/>
+              </a:rPr>
+              <a:t>=&gt; </a:t>
             </a:r>
             <a:r>
               <a:rPr lang="ja-JP" altLang="en-US" sz="1400" b="0" i="0" dirty="0">
@@ -20021,15 +20341,28 @@
                 <a:effectLst/>
                 <a:latin typeface="Roboto" panose="02000000000000000000" pitchFamily="2" charset="0"/>
               </a:rPr>
-              <a:t>」ボタンをクリックしてください</a:t>
-            </a:r>
-            <a:endParaRPr lang="en-US" sz="1400" dirty="0">
-              <a:latin typeface="+mj-lt"/>
-              <a:ea typeface="MS Mincho" panose="02020609040205080304" pitchFamily="49" charset="-128"/>
-            </a:endParaRPr>
-          </a:p>
-          <a:p>
-            <a:pPr lvl="0"/>
+              <a:t>「</a:t>
+            </a:r>
+            <a:r>
+              <a:rPr lang="ja-JP" altLang="en-US" sz="1400" b="1" i="0" dirty="0">
+                <a:solidFill>
+                  <a:srgbClr val="3C4043"/>
+                </a:solidFill>
+                <a:effectLst/>
+                <a:latin typeface="Roboto" panose="02000000000000000000" pitchFamily="2" charset="0"/>
+              </a:rPr>
+              <a:t>送信</a:t>
+            </a:r>
+            <a:r>
+              <a:rPr lang="ja-JP" altLang="en-US" sz="1400" b="0" i="0" dirty="0">
+                <a:solidFill>
+                  <a:srgbClr val="3C4043"/>
+                </a:solidFill>
+                <a:effectLst/>
+                <a:latin typeface="Roboto" panose="02000000000000000000" pitchFamily="2" charset="0"/>
+              </a:rPr>
+              <a:t>」ボタンをクリックする</a:t>
+            </a:r>
             <a:endParaRPr lang="en-US" sz="1400" dirty="0">
               <a:latin typeface="+mj-lt"/>
               <a:ea typeface="MS Mincho" panose="02020609040205080304" pitchFamily="49" charset="-128"/>
@@ -20239,7 +20572,28 @@
                 <a:latin typeface="Calibri" panose="020F0502020204030204" pitchFamily="34" charset="0"/>
                 <a:ea typeface="Yu Mincho" panose="02020400000000000000" pitchFamily="18" charset="-128"/>
               </a:rPr>
-              <a:t>人事マネージャーを選択 </a:t>
+              <a:t>人事</a:t>
+            </a:r>
+            <a:r>
+              <a:rPr lang="ja-JP" altLang="en-US" sz="1100" dirty="0">
+                <a:latin typeface="Calibri" panose="020F0502020204030204" pitchFamily="34" charset="0"/>
+                <a:ea typeface="Yu Mincho" panose="02020400000000000000" pitchFamily="18" charset="-128"/>
+              </a:rPr>
+              <a:t>課の課長</a:t>
+            </a:r>
+            <a:r>
+              <a:rPr kumimoji="0" lang="ja-JP" altLang="en-US" sz="1100" i="0" u="none" strike="noStrike" cap="none" normalizeH="0" baseline="0" dirty="0">
+                <a:ln>
+                  <a:noFill/>
+                </a:ln>
+                <a:solidFill>
+                  <a:schemeClr val="tx1"/>
+                </a:solidFill>
+                <a:effectLst/>
+                <a:latin typeface="Calibri" panose="020F0502020204030204" pitchFamily="34" charset="0"/>
+                <a:ea typeface="Yu Mincho" panose="02020400000000000000" pitchFamily="18" charset="-128"/>
+              </a:rPr>
+              <a:t>を選択 </a:t>
             </a:r>
             <a:r>
               <a:rPr kumimoji="0" lang="en-US" altLang="ja-JP" sz="1100" i="0" u="none" strike="noStrike" cap="none" normalizeH="0" baseline="0" dirty="0">
@@ -20608,7 +20962,7 @@
                 <a:latin typeface="Calibri" panose="020F0502020204030204" pitchFamily="34" charset="0"/>
                 <a:ea typeface="Yu Mincho" panose="02020400000000000000" pitchFamily="18" charset="-128"/>
               </a:rPr>
-              <a:t>従業員情報</a:t>
+              <a:t>従業員の入力した情報</a:t>
             </a:r>
             <a:endParaRPr kumimoji="0" lang="en-US" altLang="en-US" sz="1800" b="0" i="0" u="none" strike="noStrike" cap="none" normalizeH="0" baseline="0" dirty="0">
               <a:ln>
@@ -21194,18 +21548,35 @@
                   <a:ea typeface="Calibri" panose="020F0502020204030204" pitchFamily="34" charset="0"/>
                   <a:cs typeface="Calibri" panose="020F0502020204030204" pitchFamily="34" charset="0"/>
                 </a:rPr>
-                <a:t>: </a:t>
+                <a:t>:</a:t>
               </a:r>
               <a:r>
-                <a:rPr lang="ja-JP" altLang="en-US" sz="1000" dirty="0">
+                <a:rPr lang="ja-JP" altLang="en-US" sz="1100" b="0" i="0" dirty="0">
+                  <a:solidFill>
+                    <a:srgbClr val="3C4043"/>
+                  </a:solidFill>
+                  <a:effectLst/>
+                  <a:latin typeface="Roboto" panose="02000000000000000000" pitchFamily="2" charset="0"/>
+                </a:rPr>
+                <a:t>ファイルで</a:t>
+              </a:r>
+              <a:r>
+                <a:rPr lang="ja-JP" altLang="en-US" sz="1100" dirty="0">
                   <a:solidFill>
                     <a:schemeClr val="tx1"/>
                   </a:solidFill>
-                  <a:latin typeface="Calibri" panose="020F0502020204030204" pitchFamily="34" charset="0"/>
-                  <a:ea typeface="Calibri" panose="020F0502020204030204" pitchFamily="34" charset="0"/>
-                  <a:cs typeface="Calibri" panose="020F0502020204030204" pitchFamily="34" charset="0"/>
                 </a:rPr>
-                <a:t>ファイルを使用して従業員情報をシステムに入力する（複数の人を入力）か、新規追加（各人を入力）</a:t>
+                <a:t>総務担当者</a:t>
+              </a:r>
+              <a:r>
+                <a:rPr lang="ja-JP" altLang="en-US" sz="1100" b="0" i="0" dirty="0">
+                  <a:solidFill>
+                    <a:srgbClr val="3C4043"/>
+                  </a:solidFill>
+                  <a:effectLst/>
+                  <a:latin typeface="Roboto" panose="02000000000000000000" pitchFamily="2" charset="0"/>
+                </a:rPr>
+                <a:t>情報を入力する（複数の人を入力する）か、追加する（各人を入力する）</a:t>
               </a:r>
               <a:endParaRPr lang="en-US" altLang="en-US" sz="1200" dirty="0">
                 <a:solidFill>
@@ -21674,18 +22045,18 @@
             </a:r>
             <a:r>
               <a:rPr lang="ja-JP" altLang="en-US" sz="2000" dirty="0"/>
-              <a:t>評価する</a:t>
+              <a:t>評価の作成</a:t>
             </a:r>
             <a:br>
               <a:rPr lang="en-US" sz="2000" dirty="0"/>
             </a:br>
             <a:r>
               <a:rPr lang="en-US" sz="2000" dirty="0"/>
-              <a:t>3.2 </a:t>
-            </a:r>
-            <a:r>
-              <a:rPr lang="ja-JP" altLang="en-US" sz="2000" dirty="0"/>
-              <a:t>レビューを承認する</a:t>
+              <a:t>3.2</a:t>
+            </a:r>
+            <a:r>
+              <a:rPr lang="ja-JP" altLang="en-US" dirty="0"/>
+              <a:t>評価の承認</a:t>
             </a:r>
             <a:endParaRPr lang="en-US" dirty="0"/>
           </a:p>
@@ -22240,14 +22611,8 @@
               <a:t>「</a:t>
             </a:r>
             <a:r>
-              <a:rPr lang="ja-JP" altLang="en-US" sz="1400" b="1" i="0" dirty="0">
-                <a:solidFill>
-                  <a:srgbClr val="3C4043"/>
-                </a:solidFill>
-                <a:effectLst/>
-                <a:latin typeface="Roboto" panose="02000000000000000000" pitchFamily="2" charset="0"/>
-              </a:rPr>
-              <a:t>レビューを入力</a:t>
+              <a:rPr lang="ja-JP" altLang="en-US" sz="1400" dirty="0"/>
+              <a:t>評価の作成</a:t>
             </a:r>
             <a:r>
               <a:rPr lang="ja-JP" altLang="en-US" sz="1400" b="0" i="0" dirty="0">
@@ -24469,18 +24834,25 @@
           <a:lstStyle/>
           <a:p>
             <a:r>
+              <a:rPr lang="ja-JP" altLang="en-US" sz="1200" b="1" dirty="0">
+                <a:latin typeface="+mj-lt"/>
+                <a:ea typeface="MS Mincho" panose="02020609040205080304" pitchFamily="49" charset="-128"/>
+              </a:rPr>
+              <a:t>留意</a:t>
+            </a:r>
+            <a:r>
               <a:rPr lang="en-US" sz="1200" b="1" dirty="0">
                 <a:latin typeface="+mj-lt"/>
                 <a:ea typeface="MS Mincho" panose="02020609040205080304" pitchFamily="49" charset="-128"/>
               </a:rPr>
-              <a:t>Lưu ý: </a:t>
+              <a:t>: </a:t>
             </a:r>
             <a:r>
               <a:rPr lang="ja-JP" altLang="en-US" sz="1200" dirty="0">
                 <a:latin typeface="+mj-lt"/>
                 <a:ea typeface="MS Mincho" panose="02020609040205080304" pitchFamily="49" charset="-128"/>
               </a:rPr>
-              <a:t>部門の事務員と査定者が画面を共有し、ステータス列で役割を確認する </a:t>
+              <a:t>総務担当者と評価者が画面を共有し、ステータス列で役割を確認する </a:t>
             </a:r>
             <a:r>
               <a:rPr lang="en-US" sz="1200" dirty="0">
@@ -24490,14 +24862,14 @@
               <a:t>: “</a:t>
             </a:r>
             <a:r>
-              <a:rPr lang="en-US" sz="1200" b="1" dirty="0">
+              <a:rPr lang="ja-JP" altLang="en-US" sz="1200" b="1" dirty="0">
                 <a:solidFill>
                   <a:srgbClr val="FFC000"/>
                 </a:solidFill>
                 <a:latin typeface="+mj-lt"/>
                 <a:ea typeface="MS Mincho" panose="02020609040205080304" pitchFamily="49" charset="-128"/>
               </a:rPr>
-              <a:t>PTHC</a:t>
+              <a:t>総務担当者</a:t>
             </a:r>
             <a:r>
               <a:rPr lang="en-US" sz="1200" dirty="0">
@@ -24520,7 +24892,7 @@
                 <a:latin typeface="+mj-lt"/>
                 <a:ea typeface="MS Mincho" panose="02020609040205080304" pitchFamily="49" charset="-128"/>
               </a:rPr>
-              <a:t>担当部署が確認を拒否する場合には、その理由を明確に述べなければなりません。 例</a:t>
+              <a:t>総務担当者が確認を拒否する場合には、その理由を明確に述べなければなりません。 例</a:t>
             </a:r>
             <a:r>
               <a:rPr lang="en-US" altLang="ja-JP" sz="1200" dirty="0">
@@ -24591,7 +24963,7 @@
             </a:r>
             <a:r>
               <a:rPr lang="ja-JP" altLang="en-US" sz="2000" dirty="0"/>
-              <a:t>レビューを記入してください</a:t>
+              <a:t>評価を入力する</a:t>
             </a:r>
             <a:br>
               <a:rPr lang="en-US" dirty="0"/>
@@ -24602,7 +24974,15 @@
             </a:r>
             <a:r>
               <a:rPr lang="ja-JP" altLang="en-US" sz="2000" dirty="0"/>
-              <a:t>クラーク省が査読者を確認</a:t>
+              <a:t>総務担当者が評価する</a:t>
+            </a:r>
+            <a:r>
+              <a:rPr lang="ja-JP" altLang="en-US" dirty="0"/>
+              <a:t>人</a:t>
+            </a:r>
+            <a:r>
+              <a:rPr lang="ja-JP" altLang="en-US" sz="2000" dirty="0"/>
+              <a:t>を確認する</a:t>
             </a:r>
             <a:endParaRPr lang="en-US" dirty="0"/>
           </a:p>
@@ -24705,7 +25085,7 @@
                 <a:latin typeface="+mj-lt"/>
                 <a:ea typeface="MS Mincho" panose="02020609040205080304" pitchFamily="49" charset="-128"/>
               </a:rPr>
-              <a:t>レビューを記入</a:t>
+              <a:t>評価を記入</a:t>
             </a:r>
             <a:r>
               <a:rPr lang="ja-JP" altLang="en-US" sz="1400" dirty="0">
@@ -24726,7 +25106,7 @@
                 <a:latin typeface="+mj-lt"/>
                 <a:ea typeface="MS Mincho" panose="02020609040205080304" pitchFamily="49" charset="-128"/>
               </a:rPr>
-              <a:t>レビューの種類を選択</a:t>
+              <a:t>評価の種類を選択</a:t>
             </a:r>
             <a:endParaRPr lang="en-US" sz="1400" dirty="0">
               <a:latin typeface="+mj-lt"/>
@@ -24806,7 +25186,7 @@
                 <a:latin typeface="+mj-lt"/>
                 <a:ea typeface="MS Mincho" panose="02020609040205080304" pitchFamily="49" charset="-128"/>
               </a:rPr>
-              <a:t>レビュー担当者のユーザーを選択 </a:t>
+              <a:t>評価担当者のユーザーを選択 </a:t>
             </a:r>
             <a:r>
               <a:rPr lang="en-US" altLang="ja-JP" sz="1400" dirty="0">
@@ -25620,7 +26000,7 @@
                 <a:latin typeface="Calibri" panose="020F0502020204030204" pitchFamily="34" charset="0"/>
                 <a:ea typeface="Yu Mincho" panose="02020400000000000000" pitchFamily="18" charset="-128"/>
               </a:rPr>
-              <a:t>レビュー担当者（リーダー）を入力 </a:t>
+              <a:t>評価する人のユーザー（リーダー）を入力 </a:t>
             </a:r>
             <a:r>
               <a:rPr lang="en-US" altLang="ja-JP" sz="1200" dirty="0">
@@ -26195,19 +26575,33 @@
                 <a:latin typeface="+mj-lt"/>
                 <a:ea typeface="MS Mincho" panose="02020609040205080304" pitchFamily="49" charset="-128"/>
               </a:rPr>
-              <a:t>部門の事務員と査定者が画面を共有し、ステータス列で役割を確認する</a:t>
+              <a:t>総務担当者と評価者が画面を共有し、ステータス列で役割を確認する </a:t>
             </a:r>
             <a:r>
               <a:rPr lang="en-US" sz="1200" dirty="0">
                 <a:latin typeface="+mj-lt"/>
                 <a:ea typeface="MS Mincho" panose="02020609040205080304" pitchFamily="49" charset="-128"/>
               </a:rPr>
-              <a:t>: PTHC/ </a:t>
-            </a:r>
-            <a:r>
-              <a:rPr lang="en-US" sz="1200" b="1" dirty="0">
-                <a:solidFill>
-                  <a:schemeClr val="accent2">
+              <a:t>: “</a:t>
+            </a:r>
+            <a:r>
+              <a:rPr lang="ja-JP" altLang="en-US" sz="1200" b="1" dirty="0">
+                <a:latin typeface="+mj-lt"/>
+                <a:ea typeface="MS Mincho" panose="02020609040205080304" pitchFamily="49" charset="-128"/>
+              </a:rPr>
+              <a:t>総務担当者</a:t>
+            </a:r>
+            <a:r>
+              <a:rPr lang="en-US" sz="1200" dirty="0">
+                <a:latin typeface="+mj-lt"/>
+                <a:ea typeface="MS Mincho" panose="02020609040205080304" pitchFamily="49" charset="-128"/>
+              </a:rPr>
+              <a:t>/ </a:t>
+            </a:r>
+            <a:r>
+              <a:rPr lang="en-US" sz="1200" dirty="0">
+                <a:solidFill>
+                  <a:schemeClr val="accent1">
                     <a:lumMod val="50000"/>
                   </a:schemeClr>
                 </a:solidFill>
@@ -26216,6 +26610,22 @@
               </a:rPr>
               <a:t>Leader</a:t>
             </a:r>
+            <a:r>
+              <a:rPr lang="en-US" sz="1200" dirty="0">
+                <a:latin typeface="+mj-lt"/>
+                <a:ea typeface="MS Mincho" panose="02020609040205080304" pitchFamily="49" charset="-128"/>
+              </a:rPr>
+              <a:t>”</a:t>
+            </a:r>
+            <a:endParaRPr lang="en-US" sz="1200" b="1" dirty="0">
+              <a:solidFill>
+                <a:schemeClr val="accent2">
+                  <a:lumMod val="50000"/>
+                </a:schemeClr>
+              </a:solidFill>
+              <a:latin typeface="+mj-lt"/>
+              <a:ea typeface="MS Mincho" panose="02020609040205080304" pitchFamily="49" charset="-128"/>
+            </a:endParaRPr>
           </a:p>
           <a:p>
             <a:r>
@@ -26364,7 +26774,7 @@
             </a:r>
             <a:r>
               <a:rPr lang="ja-JP" altLang="en-US" sz="2000" dirty="0"/>
-              <a:t>レビューを記入してください</a:t>
+              <a:t>評価を入力する</a:t>
             </a:r>
             <a:br>
               <a:rPr lang="en-US" dirty="0"/>
@@ -26383,7 +26793,15 @@
             </a:r>
             <a:r>
               <a:rPr lang="ja-JP" altLang="en-US" sz="2000" dirty="0"/>
-              <a:t>」評価者は従業員のパフォーマンスを評価します。</a:t>
+              <a:t>」評価者は従業員の結果を評価</a:t>
+            </a:r>
+            <a:r>
+              <a:rPr lang="ja-JP" altLang="en-US" dirty="0"/>
+              <a:t>する</a:t>
+            </a:r>
+            <a:r>
+              <a:rPr lang="ja-JP" altLang="en-US" sz="2000" dirty="0"/>
+              <a:t>。</a:t>
             </a:r>
             <a:endParaRPr lang="en-US" dirty="0"/>
           </a:p>
@@ -26482,11 +26900,8 @@
               <a:t>「</a:t>
             </a:r>
             <a:r>
-              <a:rPr lang="ja-JP" altLang="en-US" sz="1400" b="1" dirty="0">
-                <a:latin typeface="+mj-lt"/>
-                <a:ea typeface="MS Mincho" panose="02020609040205080304" pitchFamily="49" charset="-128"/>
-              </a:rPr>
-              <a:t>レビューを記入</a:t>
+              <a:rPr lang="ja-JP" altLang="en-US" sz="1400" dirty="0"/>
+              <a:t>評価を入力する</a:t>
             </a:r>
             <a:r>
               <a:rPr lang="ja-JP" altLang="en-US" sz="1400" dirty="0">
@@ -26500,14 +26915,18 @@
                 <a:latin typeface="+mj-lt"/>
                 <a:ea typeface="MS Mincho" panose="02020609040205080304" pitchFamily="49" charset="-128"/>
               </a:rPr>
-              <a:t>=&gt; </a:t>
+              <a:t>=&gt;</a:t>
+            </a:r>
+            <a:r>
+              <a:rPr lang="ja-JP" altLang="en-US" sz="1400" dirty="0"/>
+              <a:t>評価</a:t>
             </a:r>
             <a:r>
               <a:rPr lang="ja-JP" altLang="en-US" sz="1400" dirty="0">
                 <a:latin typeface="+mj-lt"/>
                 <a:ea typeface="MS Mincho" panose="02020609040205080304" pitchFamily="49" charset="-128"/>
               </a:rPr>
-              <a:t>レビューの種類を選択</a:t>
+              <a:t>の種類を選択</a:t>
             </a:r>
             <a:endParaRPr lang="en-US" sz="1400" dirty="0">
               <a:latin typeface="+mj-lt"/>
@@ -26627,7 +27046,7 @@
                 <a:latin typeface="+mj-lt"/>
                 <a:ea typeface="MS Mincho" panose="02020609040205080304" pitchFamily="49" charset="-128"/>
               </a:rPr>
-              <a:t>部門マネージャーユーザーを選択 </a:t>
+              <a:t>部門の管理職のユーザーを選択 </a:t>
             </a:r>
             <a:r>
               <a:rPr lang="en-US" altLang="ja-JP" sz="1400" dirty="0">
@@ -27378,7 +27797,7 @@
                 <a:latin typeface="+mj-lt"/>
                 <a:ea typeface="MS Mincho" panose="02020609040205080304" pitchFamily="49" charset="-128"/>
               </a:rPr>
-              <a:t>部門マネージャーユーザーを選択 </a:t>
+              <a:t>部門管理職のユーザーを選択 </a:t>
             </a:r>
             <a:r>
               <a:rPr lang="en-US" altLang="ja-JP" sz="1200" dirty="0">
@@ -28024,7 +28443,7 @@
                 <a:latin typeface="+mj-lt"/>
                 <a:ea typeface="MS Mincho" panose="02020609040205080304" pitchFamily="49" charset="-128"/>
               </a:rPr>
-              <a:t>レビューの種類を選択</a:t>
+              <a:t>評価の種類を選択</a:t>
             </a:r>
             <a:endParaRPr lang="en-US" sz="1400" dirty="0">
               <a:latin typeface="+mj-lt"/>
@@ -28222,14 +28641,14 @@
                 <a:latin typeface="+mj-lt"/>
                 <a:ea typeface="MS Mincho" panose="02020609040205080304" pitchFamily="49" charset="-128"/>
               </a:rPr>
-              <a:t>Notes: </a:t>
+              <a:t>Notes:</a:t>
             </a:r>
             <a:r>
               <a:rPr lang="ja-JP" altLang="en-US" sz="1200" dirty="0">
                 <a:latin typeface="+mj-lt"/>
                 <a:ea typeface="MS Mincho" panose="02020609040205080304" pitchFamily="49" charset="-128"/>
               </a:rPr>
-              <a:t>一般的なスクリーン管理者は、ステータス列で役割を確認してください </a:t>
+              <a:t>管理職が画面を共有し、ステータス列で役割を確認してください </a:t>
             </a:r>
             <a:r>
               <a:rPr lang="en-US" sz="1200" dirty="0">
@@ -28239,7 +28658,7 @@
               <a:t>: </a:t>
             </a:r>
             <a:r>
-              <a:rPr lang="en-US" sz="1200" dirty="0">
+              <a:rPr lang="ja-JP" altLang="en-US" sz="1200" dirty="0">
                 <a:solidFill>
                   <a:schemeClr val="accent3">
                     <a:lumMod val="75000"/>
@@ -28248,7 +28667,7 @@
                 <a:latin typeface="+mj-lt"/>
                 <a:ea typeface="MS Mincho" panose="02020609040205080304" pitchFamily="49" charset="-128"/>
               </a:rPr>
-              <a:t>QLTC</a:t>
+              <a:t>中級管理職</a:t>
             </a:r>
             <a:r>
               <a:rPr lang="en-US" sz="1200" dirty="0">
@@ -28258,14 +28677,14 @@
               <a:t> / </a:t>
             </a:r>
             <a:r>
-              <a:rPr lang="en-US" sz="1200" dirty="0">
+              <a:rPr lang="ja-JP" altLang="en-US" sz="1200" dirty="0">
                 <a:solidFill>
                   <a:srgbClr val="00B0F0"/>
                 </a:solidFill>
                 <a:latin typeface="+mj-lt"/>
                 <a:ea typeface="MS Mincho" panose="02020609040205080304" pitchFamily="49" charset="-128"/>
               </a:rPr>
-              <a:t>QLCC</a:t>
+              <a:t>上級管理職</a:t>
             </a:r>
             <a:r>
               <a:rPr lang="en-US" sz="1200" dirty="0">
@@ -28550,28 +28969,25 @@
               <a:tabLst/>
             </a:pPr>
             <a:r>
-              <a:rPr kumimoji="0" lang="en-US" altLang="ja-JP" sz="1100" b="1" i="0" u="none" strike="noStrike" cap="none" normalizeH="0" baseline="0" dirty="0" err="1">
-                <a:ln>
-                  <a:noFill/>
-                </a:ln>
+              <a:rPr lang="ja-JP" altLang="en-US" sz="1100" b="1" i="0" dirty="0">
                 <a:solidFill>
                   <a:srgbClr val="FF0000"/>
                 </a:solidFill>
                 <a:effectLst/>
-                <a:latin typeface="Calibri" panose="020F0502020204030204" pitchFamily="34" charset="0"/>
-                <a:ea typeface="Yu Mincho" panose="02020400000000000000" pitchFamily="18" charset="-128"/>
-              </a:rPr>
-              <a:t>Bước</a:t>
-            </a:r>
-            <a:r>
-              <a:rPr lang="en-US" altLang="ja-JP" sz="1100" b="1" dirty="0">
+                <a:latin typeface="Roboto" panose="02000000000000000000" pitchFamily="2" charset="0"/>
+              </a:rPr>
+              <a:t>ステップ</a:t>
+            </a:r>
+            <a:r>
+              <a:rPr lang="en-US" altLang="ja-JP" sz="1100" b="1" i="0" dirty="0">
                 <a:solidFill>
                   <a:srgbClr val="FF0000"/>
                 </a:solidFill>
-                <a:latin typeface="Calibri" panose="020F0502020204030204" pitchFamily="34" charset="0"/>
-                <a:ea typeface="Yu Mincho" panose="02020400000000000000" pitchFamily="18" charset="-128"/>
-              </a:rPr>
-              <a:t> 3</a:t>
+                <a:effectLst/>
+                <a:latin typeface="Calibri" panose="020F0502020204030204" pitchFamily="34" charset="0"/>
+                <a:ea typeface="Yu Mincho" panose="02020400000000000000" pitchFamily="18" charset="-128"/>
+              </a:rPr>
+              <a:t>3</a:t>
             </a:r>
             <a:r>
               <a:rPr kumimoji="0" lang="en-US" altLang="ja-JP" sz="1100" b="0" i="0" u="none" strike="noStrike" cap="none" normalizeH="0" baseline="0" dirty="0">
@@ -28786,28 +29202,25 @@
               <a:tabLst/>
             </a:pPr>
             <a:r>
-              <a:rPr kumimoji="0" lang="en-US" altLang="ja-JP" sz="1100" b="1" i="0" u="none" strike="noStrike" cap="none" normalizeH="0" baseline="0" dirty="0" err="1">
-                <a:ln>
-                  <a:noFill/>
-                </a:ln>
+              <a:rPr lang="ja-JP" altLang="en-US" sz="1100" b="1" i="0" dirty="0">
                 <a:solidFill>
                   <a:srgbClr val="FF0000"/>
                 </a:solidFill>
                 <a:effectLst/>
-                <a:latin typeface="Calibri" panose="020F0502020204030204" pitchFamily="34" charset="0"/>
-                <a:ea typeface="Yu Mincho" panose="02020400000000000000" pitchFamily="18" charset="-128"/>
-              </a:rPr>
-              <a:t>Bước</a:t>
-            </a:r>
-            <a:r>
-              <a:rPr lang="en-US" altLang="ja-JP" sz="1100" b="1" dirty="0">
+                <a:latin typeface="Roboto" panose="02000000000000000000" pitchFamily="2" charset="0"/>
+              </a:rPr>
+              <a:t>ステップ</a:t>
+            </a:r>
+            <a:r>
+              <a:rPr lang="ja-JP" altLang="en-US" sz="1100" b="1" i="0" dirty="0">
                 <a:solidFill>
                   <a:srgbClr val="FF0000"/>
                 </a:solidFill>
-                <a:latin typeface="Calibri" panose="020F0502020204030204" pitchFamily="34" charset="0"/>
-                <a:ea typeface="Yu Mincho" panose="02020400000000000000" pitchFamily="18" charset="-128"/>
-              </a:rPr>
-              <a:t> 4</a:t>
+                <a:effectLst/>
+                <a:latin typeface="Calibri" panose="020F0502020204030204" pitchFamily="34" charset="0"/>
+                <a:ea typeface="Yu Mincho" panose="02020400000000000000" pitchFamily="18" charset="-128"/>
+              </a:rPr>
+              <a:t>４</a:t>
             </a:r>
             <a:r>
               <a:rPr kumimoji="0" lang="en-US" altLang="ja-JP" sz="1100" b="0" i="0" u="none" strike="noStrike" cap="none" normalizeH="0" baseline="0" dirty="0">
@@ -29298,11 +29711,18 @@
           <a:lstStyle/>
           <a:p>
             <a:r>
+              <a:rPr lang="ja-JP" altLang="en-US" sz="1200" b="1" dirty="0">
+                <a:latin typeface="+mj-lt"/>
+                <a:ea typeface="MS Mincho" panose="02020609040205080304" pitchFamily="49" charset="-128"/>
+              </a:rPr>
+              <a:t>留意</a:t>
+            </a:r>
+            <a:r>
               <a:rPr lang="en-US" sz="1200" b="1" dirty="0">
                 <a:latin typeface="+mj-lt"/>
                 <a:ea typeface="MS Mincho" panose="02020609040205080304" pitchFamily="49" charset="-128"/>
               </a:rPr>
-              <a:t>Notes: </a:t>
+              <a:t>: </a:t>
             </a:r>
             <a:r>
               <a:rPr lang="ja-JP" altLang="en-US" sz="1200" dirty="0">
@@ -29343,7 +29763,7 @@
                 <a:latin typeface="+mj-lt"/>
                 <a:ea typeface="MS Mincho" panose="02020609040205080304" pitchFamily="49" charset="-128"/>
               </a:rPr>
-              <a:t>部門でサポートが必要な場合は、人事部に連絡して指導を受けてください。</a:t>
+              <a:t>部門でサポートが必要な場合は、人事課の担当者に連絡してください。</a:t>
             </a:r>
             <a:endParaRPr lang="en-US" sz="1200" i="1" dirty="0">
               <a:latin typeface="+mj-lt"/>
@@ -29476,7 +29896,7 @@
                 <a:latin typeface="+mj-lt"/>
                 <a:ea typeface="MS Mincho" panose="02020609040205080304" pitchFamily="49" charset="-128"/>
               </a:rPr>
-              <a:t>関数 </a:t>
+              <a:t>機能 </a:t>
             </a:r>
             <a:r>
               <a:rPr lang="en-US" sz="1400" b="1" dirty="0">
@@ -29502,7 +29922,7 @@
                 <a:latin typeface="+mj-lt"/>
                 <a:ea typeface="MS Mincho" panose="02020609040205080304" pitchFamily="49" charset="-128"/>
               </a:rPr>
-              <a:t>評価の進捗状況を追跡する</a:t>
+              <a:t>評価の進捗状況をフォローする</a:t>
             </a:r>
             <a:endParaRPr lang="en-US" altLang="ja-JP" sz="1400" dirty="0">
               <a:latin typeface="+mj-lt"/>
@@ -29522,7 +29942,7 @@
                 <a:latin typeface="+mj-lt"/>
                 <a:ea typeface="MS Mincho" panose="02020609040205080304" pitchFamily="49" charset="-128"/>
               </a:rPr>
-              <a:t>結果を簡単に統合し、エラーを回避</a:t>
+              <a:t>結果を簡単にまとめる、エラーを減らす</a:t>
             </a:r>
             <a:endParaRPr lang="en-US" altLang="ja-JP" sz="1400" dirty="0">
               <a:latin typeface="+mj-lt"/>
@@ -30007,16 +30427,18 @@
         </p:nvSpPr>
         <p:spPr/>
         <p:txBody>
-          <a:bodyPr/>
+          <a:bodyPr>
+            <a:normAutofit/>
+          </a:bodyPr>
           <a:lstStyle/>
           <a:p>
             <a:r>
               <a:rPr lang="en-US" dirty="0"/>
-              <a:t>7. </a:t>
-            </a:r>
-            <a:r>
-              <a:rPr lang="ja-JP" altLang="en-US" dirty="0"/>
-              <a:t>メール情報</a:t>
+              <a:t>7.</a:t>
+            </a:r>
+            <a:r>
+              <a:rPr lang="ja-JP" altLang="en-US" sz="2000" dirty="0"/>
+              <a:t>知らせのメール</a:t>
             </a:r>
             <a:endParaRPr lang="en-US" dirty="0"/>
           </a:p>
@@ -30101,7 +30523,7 @@
             <a:pPr algn="ctr"/>
             <a:r>
               <a:rPr lang="ja-JP" altLang="en-US" dirty="0"/>
-              <a:t>各ステップで、メールアドレスからメール通知</a:t>
+              <a:t>各ステップで、以下のメールアドレスからメール通知</a:t>
             </a:r>
             <a:r>
               <a:rPr lang="en-US" altLang="ja-JP" dirty="0"/>
@@ -30109,7 +30531,7 @@
             </a:r>
             <a:r>
               <a:rPr lang="ja-JP" altLang="en-US" dirty="0"/>
-              <a:t>リマインダーが届きます。 </a:t>
+              <a:t>リマインダーが届く </a:t>
             </a:r>
             <a:r>
               <a:rPr lang="en-US" dirty="0"/>
@@ -30360,7 +30782,7 @@
                 <a:ea typeface="+mn-ea"/>
                 <a:cs typeface="Times New Roman" panose="02020603050405020304" pitchFamily="18" charset="0"/>
               </a:rPr>
-              <a:t>行うべき作業のメール通知</a:t>
+              <a:t>やるべく業務のメール通知</a:t>
             </a:r>
             <a:endParaRPr lang="vi-VN" sz="1200" b="1" dirty="0">
               <a:solidFill>
@@ -30747,7 +31169,7 @@
                 <a:latin typeface="+mj-lt"/>
                 <a:ea typeface="MS Mincho" panose="02020609040205080304" pitchFamily="49" charset="-128"/>
               </a:rPr>
-              <a:t>従業員がログインしている場合は、メール内のリンクをクリックすると、タスク画面に直接移動します。</a:t>
+              <a:t>従業員がログインしている場合は、メール内のリンクをクリックすると、やるべく業務画面に直接移動します。</a:t>
             </a:r>
             <a:endParaRPr lang="en-US" sz="1200" i="1" dirty="0">
               <a:latin typeface="+mj-lt"/>
@@ -50072,18 +50494,18 @@
 </file>
 
 <file path=customXml/item1.xml><?xml version="1.0" encoding="utf-8"?>
+<p:properties xmlns:p="http://schemas.microsoft.com/office/2006/metadata/properties" xmlns:xsi="http://www.w3.org/2001/XMLSchema-instance" xmlns:pc="http://schemas.microsoft.com/office/infopath/2007/PartnerControls">
+  <documentManagement/>
+</p:properties>
+</file>
+
+<file path=customXml/item2.xml><?xml version="1.0" encoding="utf-8"?>
 <?mso-contentType ?>
 <FormTemplates xmlns="http://schemas.microsoft.com/sharepoint/v3/contenttype/forms">
   <Display>DocumentLibraryForm</Display>
   <Edit>DocumentLibraryForm</Edit>
   <New>DocumentLibraryForm</New>
 </FormTemplates>
-</file>
-
-<file path=customXml/item2.xml><?xml version="1.0" encoding="utf-8"?>
-<p:properties xmlns:p="http://schemas.microsoft.com/office/2006/metadata/properties" xmlns:xsi="http://www.w3.org/2001/XMLSchema-instance" xmlns:pc="http://schemas.microsoft.com/office/infopath/2007/PartnerControls">
-  <documentManagement/>
-</p:properties>
 </file>
 
 <file path=customXml/item3.xml><?xml version="1.0" encoding="utf-8"?>
@@ -50227,14 +50649,6 @@
 </file>
 
 <file path=customXml/itemProps1.xml><?xml version="1.0" encoding="utf-8"?>
-<ds:datastoreItem xmlns:ds="http://schemas.openxmlformats.org/officeDocument/2006/customXml" ds:itemID="{29C210EE-DF32-4525-BD9D-30A05B1DBA87}">
-  <ds:schemaRefs>
-    <ds:schemaRef ds:uri="http://schemas.microsoft.com/sharepoint/v3/contenttype/forms"/>
-  </ds:schemaRefs>
-</ds:datastoreItem>
-</file>
-
-<file path=customXml/itemProps2.xml><?xml version="1.0" encoding="utf-8"?>
 <ds:datastoreItem xmlns:ds="http://schemas.openxmlformats.org/officeDocument/2006/customXml" ds:itemID="{998FC3E2-45C7-4325-897D-2EF20913B41A}">
   <ds:schemaRefs>
     <ds:schemaRef ds:uri="http://schemas.microsoft.com/office/2006/documentManagement/types"/>
@@ -50246,6 +50660,14 @@
     <ds:schemaRef ds:uri="http://schemas.microsoft.com/office/infopath/2007/PartnerControls"/>
     <ds:schemaRef ds:uri="57902434-9299-4861-a77a-9700cc578bc2"/>
     <ds:schemaRef ds:uri="http://www.w3.org/XML/1998/namespace"/>
+  </ds:schemaRefs>
+</ds:datastoreItem>
+</file>
+
+<file path=customXml/itemProps2.xml><?xml version="1.0" encoding="utf-8"?>
+<ds:datastoreItem xmlns:ds="http://schemas.openxmlformats.org/officeDocument/2006/customXml" ds:itemID="{29C210EE-DF32-4525-BD9D-30A05B1DBA87}">
+  <ds:schemaRefs>
+    <ds:schemaRef ds:uri="http://schemas.microsoft.com/sharepoint/v3/contenttype/forms"/>
   </ds:schemaRefs>
 </ds:datastoreItem>
 </file>
